--- a/review 2/FOOD ORDERING SYSTEM.pptx
+++ b/review 2/FOOD ORDERING SYSTEM.pptx
@@ -15,9 +15,7 @@
     <p:sldId id="275" r:id="rId10"/>
     <p:sldId id="276" r:id="rId11"/>
     <p:sldId id="277" r:id="rId12"/>
-    <p:sldId id="278" r:id="rId13"/>
-    <p:sldId id="279" r:id="rId14"/>
-    <p:sldId id="266" r:id="rId15"/>
+    <p:sldId id="266" r:id="rId13"/>
   </p:sldIdLst>
   <p:sldSz cx="12192000" cy="6858000"/>
   <p:notesSz cx="6858000" cy="9144000"/>
@@ -13377,132 +13375,6 @@
 </file>
 
 <file path=ppt/slides/slide11.xml><?xml version="1.0" encoding="utf-8"?>
-<p:sld xmlns:a="http://schemas.openxmlformats.org/drawingml/2006/main" xmlns:r="http://schemas.openxmlformats.org/officeDocument/2006/relationships" xmlns:p="http://schemas.openxmlformats.org/presentationml/2006/main">
-  <p:cSld>
-    <p:spTree>
-      <p:nvGrpSpPr>
-        <p:cNvPr id="1" name=""/>
-        <p:cNvGrpSpPr/>
-        <p:nvPr/>
-      </p:nvGrpSpPr>
-      <p:grpSpPr>
-        <a:xfrm>
-          <a:off x="0" y="0"/>
-          <a:ext cx="0" cy="0"/>
-          <a:chOff x="0" y="0"/>
-          <a:chExt cx="0" cy="0"/>
-        </a:xfrm>
-      </p:grpSpPr>
-      <p:sp>
-        <p:nvSpPr>
-          <p:cNvPr id="2" name="Title 1"/>
-          <p:cNvSpPr>
-            <a:spLocks noGrp="1"/>
-          </p:cNvSpPr>
-          <p:nvPr>
-            <p:ph type="title"/>
-          </p:nvPr>
-        </p:nvSpPr>
-        <p:spPr/>
-        <p:txBody>
-          <a:bodyPr/>
-          <a:lstStyle/>
-          <a:p>
-            <a:endParaRPr lang="en-US"/>
-          </a:p>
-        </p:txBody>
-      </p:sp>
-      <p:sp>
-        <p:nvSpPr>
-          <p:cNvPr id="3" name="Content Placeholder 2"/>
-          <p:cNvSpPr>
-            <a:spLocks noGrp="1"/>
-          </p:cNvSpPr>
-          <p:nvPr>
-            <p:ph idx="1"/>
-          </p:nvPr>
-        </p:nvSpPr>
-        <p:spPr/>
-        <p:txBody>
-          <a:bodyPr/>
-          <a:lstStyle/>
-          <a:p>
-            <a:endParaRPr lang="en-US"/>
-          </a:p>
-        </p:txBody>
-      </p:sp>
-    </p:spTree>
-  </p:cSld>
-  <p:clrMapOvr>
-    <a:masterClrMapping/>
-  </p:clrMapOvr>
-</p:sld>
-</file>
-
-<file path=ppt/slides/slide12.xml><?xml version="1.0" encoding="utf-8"?>
-<p:sld xmlns:a="http://schemas.openxmlformats.org/drawingml/2006/main" xmlns:r="http://schemas.openxmlformats.org/officeDocument/2006/relationships" xmlns:p="http://schemas.openxmlformats.org/presentationml/2006/main">
-  <p:cSld>
-    <p:spTree>
-      <p:nvGrpSpPr>
-        <p:cNvPr id="1" name=""/>
-        <p:cNvGrpSpPr/>
-        <p:nvPr/>
-      </p:nvGrpSpPr>
-      <p:grpSpPr>
-        <a:xfrm>
-          <a:off x="0" y="0"/>
-          <a:ext cx="0" cy="0"/>
-          <a:chOff x="0" y="0"/>
-          <a:chExt cx="0" cy="0"/>
-        </a:xfrm>
-      </p:grpSpPr>
-      <p:sp>
-        <p:nvSpPr>
-          <p:cNvPr id="2" name="Title 1"/>
-          <p:cNvSpPr>
-            <a:spLocks noGrp="1"/>
-          </p:cNvSpPr>
-          <p:nvPr>
-            <p:ph type="title"/>
-          </p:nvPr>
-        </p:nvSpPr>
-        <p:spPr/>
-        <p:txBody>
-          <a:bodyPr/>
-          <a:lstStyle/>
-          <a:p>
-            <a:endParaRPr lang="en-US"/>
-          </a:p>
-        </p:txBody>
-      </p:sp>
-      <p:sp>
-        <p:nvSpPr>
-          <p:cNvPr id="3" name="Content Placeholder 2"/>
-          <p:cNvSpPr>
-            <a:spLocks noGrp="1"/>
-          </p:cNvSpPr>
-          <p:nvPr>
-            <p:ph idx="1"/>
-          </p:nvPr>
-        </p:nvSpPr>
-        <p:spPr/>
-        <p:txBody>
-          <a:bodyPr/>
-          <a:lstStyle/>
-          <a:p>
-            <a:endParaRPr lang="en-US"/>
-          </a:p>
-        </p:txBody>
-      </p:sp>
-    </p:spTree>
-  </p:cSld>
-  <p:clrMapOvr>
-    <a:masterClrMapping/>
-  </p:clrMapOvr>
-</p:sld>
-</file>
-
-<file path=ppt/slides/slide13.xml><?xml version="1.0" encoding="utf-8"?>
 <p:sld xmlns:a="http://schemas.openxmlformats.org/drawingml/2006/main" xmlns:r="http://schemas.openxmlformats.org/officeDocument/2006/relationships" xmlns:p="http://schemas.openxmlformats.org/presentationml/2006/main">
   <p:cSld>
     <p:spTree>
